--- a/Summary/20211028_microbiome_demography_slides.pptx
+++ b/Summary/20211028_microbiome_demography_slides.pptx
@@ -5,14 +5,16 @@
     <p:sldMasterId id="2147483648" r:id="rId1"/>
   </p:sldMasterIdLst>
   <p:notesMasterIdLst>
-    <p:notesMasterId r:id="rId7"/>
+    <p:notesMasterId r:id="rId9"/>
   </p:notesMasterIdLst>
   <p:sldIdLst>
     <p:sldId id="256" r:id="rId2"/>
     <p:sldId id="335" r:id="rId3"/>
     <p:sldId id="336" r:id="rId4"/>
     <p:sldId id="334" r:id="rId5"/>
-    <p:sldId id="278" r:id="rId6"/>
+    <p:sldId id="337" r:id="rId6"/>
+    <p:sldId id="278" r:id="rId7"/>
+    <p:sldId id="338" r:id="rId8"/>
   </p:sldIdLst>
   <p:sldSz cx="12192000" cy="6858000"/>
   <p:notesSz cx="6858000" cy="9144000"/>
@@ -120,7 +122,9 @@
             <p14:sldId id="335"/>
             <p14:sldId id="336"/>
             <p14:sldId id="334"/>
+            <p14:sldId id="337"/>
             <p14:sldId id="278"/>
+            <p14:sldId id="338"/>
           </p14:sldIdLst>
         </p14:section>
       </p14:sectionLst>
@@ -222,7 +226,7 @@
           <a:p>
             <a:fld id="{2F446724-7A58-4020-9182-8374F0305DD3}" type="datetimeFigureOut">
               <a:rPr lang="en-US" smtClean="0"/>
-              <a:t>10/28/2021</a:t>
+              <a:t>11/1/2021</a:t>
             </a:fld>
             <a:endParaRPr lang="en-US"/>
           </a:p>
@@ -554,7 +558,7 @@
           <a:p>
             <a:fld id="{9D984E8B-8157-4976-ABDF-6DA2CAC3440F}" type="slidenum">
               <a:rPr lang="en-US" smtClean="0"/>
-              <a:t>5</a:t>
+              <a:t>6</a:t>
             </a:fld>
             <a:endParaRPr lang="en-US"/>
           </a:p>
@@ -564,6 +568,90 @@
     <p:extLst>
       <p:ext uri="{BB962C8B-B14F-4D97-AF65-F5344CB8AC3E}">
         <p14:creationId xmlns:p14="http://schemas.microsoft.com/office/powerpoint/2010/main" val="1799097093"/>
+      </p:ext>
+    </p:extLst>
+  </p:cSld>
+  <p:clrMapOvr>
+    <a:masterClrMapping/>
+  </p:clrMapOvr>
+</p:notes>
+</file>
+
+<file path=ppt/notesSlides/notesSlide2.xml><?xml version="1.0" encoding="utf-8"?>
+<p:notes xmlns:a="http://schemas.openxmlformats.org/drawingml/2006/main" xmlns:r="http://schemas.openxmlformats.org/officeDocument/2006/relationships" xmlns:p="http://schemas.openxmlformats.org/presentationml/2006/main">
+  <p:cSld>
+    <p:spTree>
+      <p:nvGrpSpPr>
+        <p:cNvPr id="1" name=""/>
+        <p:cNvGrpSpPr/>
+        <p:nvPr/>
+      </p:nvGrpSpPr>
+      <p:grpSpPr>
+        <a:xfrm>
+          <a:off x="0" y="0"/>
+          <a:ext cx="0" cy="0"/>
+          <a:chOff x="0" y="0"/>
+          <a:chExt cx="0" cy="0"/>
+        </a:xfrm>
+      </p:grpSpPr>
+      <p:sp>
+        <p:nvSpPr>
+          <p:cNvPr id="2" name="Slide Image Placeholder 1"/>
+          <p:cNvSpPr>
+            <a:spLocks noGrp="1" noRot="1" noChangeAspect="1"/>
+          </p:cNvSpPr>
+          <p:nvPr>
+            <p:ph type="sldImg"/>
+          </p:nvPr>
+        </p:nvSpPr>
+        <p:spPr/>
+      </p:sp>
+      <p:sp>
+        <p:nvSpPr>
+          <p:cNvPr id="3" name="Notes Placeholder 2"/>
+          <p:cNvSpPr>
+            <a:spLocks noGrp="1"/>
+          </p:cNvSpPr>
+          <p:nvPr>
+            <p:ph type="body" idx="1"/>
+          </p:nvPr>
+        </p:nvSpPr>
+        <p:spPr/>
+        <p:txBody>
+          <a:bodyPr/>
+          <a:lstStyle/>
+          <a:p>
+            <a:endParaRPr lang="en-US" dirty="0"/>
+          </a:p>
+        </p:txBody>
+      </p:sp>
+      <p:sp>
+        <p:nvSpPr>
+          <p:cNvPr id="4" name="Slide Number Placeholder 3"/>
+          <p:cNvSpPr>
+            <a:spLocks noGrp="1"/>
+          </p:cNvSpPr>
+          <p:nvPr>
+            <p:ph type="sldNum" sz="quarter" idx="5"/>
+          </p:nvPr>
+        </p:nvSpPr>
+        <p:spPr/>
+        <p:txBody>
+          <a:bodyPr/>
+          <a:lstStyle/>
+          <a:p>
+            <a:fld id="{9D984E8B-8157-4976-ABDF-6DA2CAC3440F}" type="slidenum">
+              <a:rPr lang="en-US" smtClean="0"/>
+              <a:t>7</a:t>
+            </a:fld>
+            <a:endParaRPr lang="en-US"/>
+          </a:p>
+        </p:txBody>
+      </p:sp>
+    </p:spTree>
+    <p:extLst>
+      <p:ext uri="{BB962C8B-B14F-4D97-AF65-F5344CB8AC3E}">
+        <p14:creationId xmlns:p14="http://schemas.microsoft.com/office/powerpoint/2010/main" val="404246740"/>
       </p:ext>
     </p:extLst>
   </p:cSld>
@@ -720,7 +808,7 @@
           <a:p>
             <a:fld id="{6A6E4237-9E27-40CF-A4D8-1330F92F21DA}" type="datetimeFigureOut">
               <a:rPr lang="en-US" smtClean="0"/>
-              <a:t>10/28/2021</a:t>
+              <a:t>11/1/2021</a:t>
             </a:fld>
             <a:endParaRPr lang="en-US"/>
           </a:p>
@@ -918,7 +1006,7 @@
           <a:p>
             <a:fld id="{6A6E4237-9E27-40CF-A4D8-1330F92F21DA}" type="datetimeFigureOut">
               <a:rPr lang="en-US" smtClean="0"/>
-              <a:t>10/28/2021</a:t>
+              <a:t>11/1/2021</a:t>
             </a:fld>
             <a:endParaRPr lang="en-US"/>
           </a:p>
@@ -1126,7 +1214,7 @@
           <a:p>
             <a:fld id="{6A6E4237-9E27-40CF-A4D8-1330F92F21DA}" type="datetimeFigureOut">
               <a:rPr lang="en-US" smtClean="0"/>
-              <a:t>10/28/2021</a:t>
+              <a:t>11/1/2021</a:t>
             </a:fld>
             <a:endParaRPr lang="en-US"/>
           </a:p>
@@ -1324,7 +1412,7 @@
           <a:p>
             <a:fld id="{6A6E4237-9E27-40CF-A4D8-1330F92F21DA}" type="datetimeFigureOut">
               <a:rPr lang="en-US" smtClean="0"/>
-              <a:t>10/28/2021</a:t>
+              <a:t>11/1/2021</a:t>
             </a:fld>
             <a:endParaRPr lang="en-US"/>
           </a:p>
@@ -1599,7 +1687,7 @@
           <a:p>
             <a:fld id="{6A6E4237-9E27-40CF-A4D8-1330F92F21DA}" type="datetimeFigureOut">
               <a:rPr lang="en-US" smtClean="0"/>
-              <a:t>10/28/2021</a:t>
+              <a:t>11/1/2021</a:t>
             </a:fld>
             <a:endParaRPr lang="en-US"/>
           </a:p>
@@ -1864,7 +1952,7 @@
           <a:p>
             <a:fld id="{6A6E4237-9E27-40CF-A4D8-1330F92F21DA}" type="datetimeFigureOut">
               <a:rPr lang="en-US" smtClean="0"/>
-              <a:t>10/28/2021</a:t>
+              <a:t>11/1/2021</a:t>
             </a:fld>
             <a:endParaRPr lang="en-US"/>
           </a:p>
@@ -2276,7 +2364,7 @@
           <a:p>
             <a:fld id="{6A6E4237-9E27-40CF-A4D8-1330F92F21DA}" type="datetimeFigureOut">
               <a:rPr lang="en-US" smtClean="0"/>
-              <a:t>10/28/2021</a:t>
+              <a:t>11/1/2021</a:t>
             </a:fld>
             <a:endParaRPr lang="en-US"/>
           </a:p>
@@ -2417,7 +2505,7 @@
           <a:p>
             <a:fld id="{6A6E4237-9E27-40CF-A4D8-1330F92F21DA}" type="datetimeFigureOut">
               <a:rPr lang="en-US" smtClean="0"/>
-              <a:t>10/28/2021</a:t>
+              <a:t>11/1/2021</a:t>
             </a:fld>
             <a:endParaRPr lang="en-US"/>
           </a:p>
@@ -2530,7 +2618,7 @@
           <a:p>
             <a:fld id="{6A6E4237-9E27-40CF-A4D8-1330F92F21DA}" type="datetimeFigureOut">
               <a:rPr lang="en-US" smtClean="0"/>
-              <a:t>10/28/2021</a:t>
+              <a:t>11/1/2021</a:t>
             </a:fld>
             <a:endParaRPr lang="en-US"/>
           </a:p>
@@ -2841,7 +2929,7 @@
           <a:p>
             <a:fld id="{6A6E4237-9E27-40CF-A4D8-1330F92F21DA}" type="datetimeFigureOut">
               <a:rPr lang="en-US" smtClean="0"/>
-              <a:t>10/28/2021</a:t>
+              <a:t>11/1/2021</a:t>
             </a:fld>
             <a:endParaRPr lang="en-US"/>
           </a:p>
@@ -3129,7 +3217,7 @@
           <a:p>
             <a:fld id="{6A6E4237-9E27-40CF-A4D8-1330F92F21DA}" type="datetimeFigureOut">
               <a:rPr lang="en-US" smtClean="0"/>
-              <a:t>10/28/2021</a:t>
+              <a:t>11/1/2021</a:t>
             </a:fld>
             <a:endParaRPr lang="en-US"/>
           </a:p>
@@ -3370,7 +3458,7 @@
           <a:p>
             <a:fld id="{6A6E4237-9E27-40CF-A4D8-1330F92F21DA}" type="datetimeFigureOut">
               <a:rPr lang="en-US" smtClean="0"/>
-              <a:t>10/28/2021</a:t>
+              <a:t>11/1/2021</a:t>
             </a:fld>
             <a:endParaRPr lang="en-US"/>
           </a:p>
@@ -4208,7 +4296,7 @@
         <p:spPr/>
         <p:txBody>
           <a:bodyPr>
-            <a:normAutofit lnSpcReduction="10000"/>
+            <a:normAutofit fontScale="92500" lnSpcReduction="20000"/>
           </a:bodyPr>
           <a:lstStyle/>
           <a:p>
@@ -4220,8 +4308,20 @@
           <a:p>
             <a:r>
               <a:rPr lang="en-US" dirty="0"/>
-              <a:t>Gut Microbiology for Wartime Resilience</a:t>
-            </a:r>
+              <a:t>Gut Microbiology for Warfighter Resilience</a:t>
+            </a:r>
+          </a:p>
+          <a:p>
+            <a:pPr lvl="1"/>
+            <a:r>
+              <a:rPr lang="en-US" dirty="0"/>
+              <a:t>Contact: Dr. Kristy </a:t>
+            </a:r>
+            <a:r>
+              <a:rPr lang="en-US" dirty="0" err="1"/>
+              <a:t>Hentchel</a:t>
+            </a:r>
+            <a:endParaRPr lang="en-US" dirty="0"/>
           </a:p>
           <a:p>
             <a:pPr lvl="1"/>
@@ -4325,6 +4425,110 @@
           <p:cNvPr id="2" name="Title 1">
             <a:extLst>
               <a:ext uri="{FF2B5EF4-FFF2-40B4-BE49-F238E27FC236}">
+                <a16:creationId xmlns:a16="http://schemas.microsoft.com/office/drawing/2014/main" id="{A721CCB0-C87B-4A37-A2CD-599CFD03D51A}"/>
+              </a:ext>
+            </a:extLst>
+          </p:cNvPr>
+          <p:cNvSpPr>
+            <a:spLocks noGrp="1"/>
+          </p:cNvSpPr>
+          <p:nvPr>
+            <p:ph type="title"/>
+          </p:nvPr>
+        </p:nvSpPr>
+        <p:spPr/>
+        <p:txBody>
+          <a:bodyPr/>
+          <a:lstStyle/>
+          <a:p>
+            <a:r>
+              <a:rPr lang="en-US" dirty="0"/>
+              <a:t>NDSEG</a:t>
+            </a:r>
+          </a:p>
+        </p:txBody>
+      </p:sp>
+      <p:sp>
+        <p:nvSpPr>
+          <p:cNvPr id="3" name="Content Placeholder 2">
+            <a:extLst>
+              <a:ext uri="{FF2B5EF4-FFF2-40B4-BE49-F238E27FC236}">
+                <a16:creationId xmlns:a16="http://schemas.microsoft.com/office/drawing/2014/main" id="{2AA99344-CA3A-4DE9-BF60-3504A8C5DCE3}"/>
+              </a:ext>
+            </a:extLst>
+          </p:cNvPr>
+          <p:cNvSpPr>
+            <a:spLocks noGrp="1"/>
+          </p:cNvSpPr>
+          <p:nvPr>
+            <p:ph idx="1"/>
+          </p:nvPr>
+        </p:nvSpPr>
+        <p:spPr/>
+        <p:txBody>
+          <a:bodyPr>
+            <a:normAutofit/>
+          </a:bodyPr>
+          <a:lstStyle/>
+          <a:p>
+            <a:r>
+              <a:rPr lang="en-US" dirty="0"/>
+              <a:t>“Understanding the impact of urbanization-driven stressors on the gut and oral microbiome”</a:t>
+            </a:r>
+          </a:p>
+          <a:p>
+            <a:r>
+              <a:rPr lang="en-US" dirty="0"/>
+              <a:t>500 word personal statement + a page on how this work relates to naval survival</a:t>
+            </a:r>
+          </a:p>
+          <a:p>
+            <a:pPr lvl="1"/>
+            <a:r>
+              <a:rPr lang="en-US" dirty="0"/>
+              <a:t>Set Monday aside for this exercise</a:t>
+            </a:r>
+          </a:p>
+          <a:p>
+            <a:endParaRPr lang="en-US" dirty="0"/>
+          </a:p>
+        </p:txBody>
+      </p:sp>
+    </p:spTree>
+    <p:extLst>
+      <p:ext uri="{BB962C8B-B14F-4D97-AF65-F5344CB8AC3E}">
+        <p14:creationId xmlns:p14="http://schemas.microsoft.com/office/powerpoint/2010/main" val="3215084605"/>
+      </p:ext>
+    </p:extLst>
+  </p:cSld>
+  <p:clrMapOvr>
+    <a:masterClrMapping/>
+  </p:clrMapOvr>
+</p:sld>
+</file>
+
+<file path=ppt/slides/slide6.xml><?xml version="1.0" encoding="utf-8"?>
+<p:sld xmlns:a="http://schemas.openxmlformats.org/drawingml/2006/main" xmlns:r="http://schemas.openxmlformats.org/officeDocument/2006/relationships" xmlns:p="http://schemas.openxmlformats.org/presentationml/2006/main">
+  <p:cSld>
+    <p:spTree>
+      <p:nvGrpSpPr>
+        <p:cNvPr id="1" name=""/>
+        <p:cNvGrpSpPr/>
+        <p:nvPr/>
+      </p:nvGrpSpPr>
+      <p:grpSpPr>
+        <a:xfrm>
+          <a:off x="0" y="0"/>
+          <a:ext cx="0" cy="0"/>
+          <a:chOff x="0" y="0"/>
+          <a:chExt cx="0" cy="0"/>
+        </a:xfrm>
+      </p:grpSpPr>
+      <p:sp>
+        <p:nvSpPr>
+          <p:cNvPr id="2" name="Title 1">
+            <a:extLst>
+              <a:ext uri="{FF2B5EF4-FFF2-40B4-BE49-F238E27FC236}">
                 <a16:creationId xmlns:a16="http://schemas.microsoft.com/office/drawing/2014/main" id="{1DA4FD9C-0575-4672-BDCF-805449EFAC7C}"/>
               </a:ext>
             </a:extLst>
@@ -4367,7 +4571,7 @@
         <p:spPr/>
         <p:txBody>
           <a:bodyPr>
-            <a:normAutofit/>
+            <a:normAutofit lnSpcReduction="10000"/>
           </a:bodyPr>
           <a:lstStyle/>
           <a:p>
@@ -4423,18 +4627,305 @@
             </a:r>
           </a:p>
           <a:p>
-            <a:endParaRPr lang="en-US" dirty="0">
+            <a:r>
+              <a:rPr lang="en-US" dirty="0">
+                <a:latin typeface="Yu Gothic" panose="020B0400000000000000" pitchFamily="34" charset="-128"/>
+                <a:ea typeface="Yu Gothic" panose="020B0400000000000000" pitchFamily="34" charset="-128"/>
+                <a:sym typeface="Wingdings" panose="05000000000000000000" pitchFamily="2" charset="2"/>
+              </a:rPr>
+              <a:t>Good species command</a:t>
+            </a:r>
+          </a:p>
+          <a:p>
+            <a:pPr lvl="1"/>
+            <a:r>
+              <a:rPr lang="en-US" dirty="0">
+                <a:latin typeface="Yu Gothic" panose="020B0400000000000000" pitchFamily="34" charset="-128"/>
+                <a:ea typeface="Yu Gothic" panose="020B0400000000000000" pitchFamily="34" charset="-128"/>
+                <a:sym typeface="Wingdings" panose="05000000000000000000" pitchFamily="2" charset="2"/>
+              </a:rPr>
+              <a:t>Print out sample sizes, determine which is converging and which isn’t</a:t>
+            </a:r>
+          </a:p>
+          <a:p>
+            <a:r>
+              <a:rPr lang="en-US" dirty="0">
+                <a:latin typeface="Yu Gothic" panose="020B0400000000000000" pitchFamily="34" charset="-128"/>
+                <a:ea typeface="Yu Gothic" panose="020B0400000000000000" pitchFamily="34" charset="-128"/>
+                <a:sym typeface="Wingdings" panose="05000000000000000000" pitchFamily="2" charset="2"/>
+              </a:rPr>
+              <a:t>Make sure I understand the methods being used, e.g., polarization, clade control</a:t>
+            </a:r>
+          </a:p>
+          <a:p>
+            <a:r>
+              <a:rPr lang="en-US" dirty="0">
+                <a:latin typeface="Yu Gothic" panose="020B0400000000000000" pitchFamily="34" charset="-128"/>
+                <a:ea typeface="Yu Gothic" panose="020B0400000000000000" pitchFamily="34" charset="-128"/>
+                <a:sym typeface="Wingdings" panose="05000000000000000000" pitchFamily="2" charset="2"/>
+              </a:rPr>
+              <a:t>Which species are not converging, what is their sample size</a:t>
+            </a:r>
+          </a:p>
+          <a:p>
+            <a:r>
+              <a:rPr lang="en-US" dirty="0">
+                <a:latin typeface="Yu Gothic" panose="020B0400000000000000" pitchFamily="34" charset="-128"/>
+                <a:ea typeface="Yu Gothic" panose="020B0400000000000000" pitchFamily="34" charset="-128"/>
+                <a:sym typeface="Wingdings" panose="05000000000000000000" pitchFamily="2" charset="2"/>
+              </a:rPr>
+              <a:t>Work on paper outline</a:t>
+            </a:r>
+          </a:p>
+        </p:txBody>
+      </p:sp>
+    </p:spTree>
+    <p:extLst>
+      <p:ext uri="{BB962C8B-B14F-4D97-AF65-F5344CB8AC3E}">
+        <p14:creationId xmlns:p14="http://schemas.microsoft.com/office/powerpoint/2010/main" val="1230404432"/>
+      </p:ext>
+    </p:extLst>
+  </p:cSld>
+  <p:clrMapOvr>
+    <a:masterClrMapping/>
+  </p:clrMapOvr>
+</p:sld>
+</file>
+
+<file path=ppt/slides/slide7.xml><?xml version="1.0" encoding="utf-8"?>
+<p:sld xmlns:a="http://schemas.openxmlformats.org/drawingml/2006/main" xmlns:r="http://schemas.openxmlformats.org/officeDocument/2006/relationships" xmlns:p="http://schemas.openxmlformats.org/presentationml/2006/main">
+  <p:cSld>
+    <p:spTree>
+      <p:nvGrpSpPr>
+        <p:cNvPr id="1" name=""/>
+        <p:cNvGrpSpPr/>
+        <p:nvPr/>
+      </p:nvGrpSpPr>
+      <p:grpSpPr>
+        <a:xfrm>
+          <a:off x="0" y="0"/>
+          <a:ext cx="0" cy="0"/>
+          <a:chOff x="0" y="0"/>
+          <a:chExt cx="0" cy="0"/>
+        </a:xfrm>
+      </p:grpSpPr>
+      <p:sp>
+        <p:nvSpPr>
+          <p:cNvPr id="2" name="Title 1">
+            <a:extLst>
+              <a:ext uri="{FF2B5EF4-FFF2-40B4-BE49-F238E27FC236}">
+                <a16:creationId xmlns:a16="http://schemas.microsoft.com/office/drawing/2014/main" id="{1DA4FD9C-0575-4672-BDCF-805449EFAC7C}"/>
+              </a:ext>
+            </a:extLst>
+          </p:cNvPr>
+          <p:cNvSpPr>
+            <a:spLocks noGrp="1"/>
+          </p:cNvSpPr>
+          <p:nvPr>
+            <p:ph type="title"/>
+          </p:nvPr>
+        </p:nvSpPr>
+        <p:spPr/>
+        <p:txBody>
+          <a:bodyPr/>
+          <a:lstStyle/>
+          <a:p>
+            <a:r>
+              <a:rPr lang="en-US" dirty="0"/>
+              <a:t>//TODO</a:t>
+            </a:r>
+          </a:p>
+        </p:txBody>
+      </p:sp>
+      <p:sp>
+        <p:nvSpPr>
+          <p:cNvPr id="3" name="Content Placeholder 2">
+            <a:extLst>
+              <a:ext uri="{FF2B5EF4-FFF2-40B4-BE49-F238E27FC236}">
+                <a16:creationId xmlns:a16="http://schemas.microsoft.com/office/drawing/2014/main" id="{B7017510-3A51-4778-BB7F-0F91AE0D6F96}"/>
+              </a:ext>
+            </a:extLst>
+          </p:cNvPr>
+          <p:cNvSpPr>
+            <a:spLocks noGrp="1"/>
+          </p:cNvSpPr>
+          <p:nvPr>
+            <p:ph idx="1"/>
+          </p:nvPr>
+        </p:nvSpPr>
+        <p:spPr/>
+        <p:txBody>
+          <a:bodyPr>
+            <a:normAutofit lnSpcReduction="10000"/>
+          </a:bodyPr>
+          <a:lstStyle/>
+          <a:p>
+            <a:r>
+              <a:rPr lang="en-US" sz="1800" dirty="0">
+                <a:latin typeface="Yu Gothic" panose="020B0400000000000000" pitchFamily="34" charset="-128"/>
+                <a:ea typeface="Yu Gothic" panose="020B0400000000000000" pitchFamily="34" charset="-128"/>
+                <a:sym typeface="Wingdings" panose="05000000000000000000" pitchFamily="2" charset="2"/>
+              </a:rPr>
+              <a:t>What is PI for rural vs. urban data</a:t>
+            </a:r>
+          </a:p>
+          <a:p>
+            <a:r>
+              <a:rPr lang="en-US" sz="1800" dirty="0">
+                <a:latin typeface="Yu Gothic" panose="020B0400000000000000" pitchFamily="34" charset="-128"/>
+                <a:ea typeface="Yu Gothic" panose="020B0400000000000000" pitchFamily="34" charset="-128"/>
+                <a:sym typeface="Wingdings" panose="05000000000000000000" pitchFamily="2" charset="2"/>
+              </a:rPr>
+              <a:t>SFS diagram / panel with and without negative selection</a:t>
+            </a:r>
+          </a:p>
+          <a:p>
+            <a:pPr lvl="1"/>
+            <a:r>
+              <a:rPr lang="en-US" sz="1800" dirty="0">
+                <a:latin typeface="Yu Gothic" panose="020B0400000000000000" pitchFamily="34" charset="-128"/>
+                <a:ea typeface="Yu Gothic" panose="020B0400000000000000" pitchFamily="34" charset="-128"/>
+                <a:sym typeface="Wingdings" panose="05000000000000000000" pitchFamily="2" charset="2"/>
+              </a:rPr>
+              <a:t>Includes inference of DFE</a:t>
+            </a:r>
+          </a:p>
+          <a:p>
+            <a:r>
+              <a:rPr lang="en-US" sz="1800" dirty="0">
+                <a:latin typeface="Yu Gothic" panose="020B0400000000000000" pitchFamily="34" charset="-128"/>
+                <a:ea typeface="Yu Gothic" panose="020B0400000000000000" pitchFamily="34" charset="-128"/>
+                <a:sym typeface="Wingdings" panose="05000000000000000000" pitchFamily="2" charset="2"/>
+              </a:rPr>
+              <a:t>Schematic for demographic models</a:t>
+            </a:r>
+          </a:p>
+          <a:p>
+            <a:r>
+              <a:rPr lang="en-US" sz="1800" dirty="0">
+                <a:latin typeface="Yu Gothic" panose="020B0400000000000000" pitchFamily="34" charset="-128"/>
+                <a:ea typeface="Yu Gothic" panose="020B0400000000000000" pitchFamily="34" charset="-128"/>
+                <a:sym typeface="Wingdings" panose="05000000000000000000" pitchFamily="2" charset="2"/>
+              </a:rPr>
+              <a:t>Check up on MIDAS for oral data</a:t>
+            </a:r>
+            <a:br>
+              <a:rPr lang="en-US" sz="1800" dirty="0">
+                <a:latin typeface="Yu Gothic" panose="020B0400000000000000" pitchFamily="34" charset="-128"/>
+                <a:ea typeface="Yu Gothic" panose="020B0400000000000000" pitchFamily="34" charset="-128"/>
+                <a:sym typeface="Wingdings" panose="05000000000000000000" pitchFamily="2" charset="2"/>
+              </a:rPr>
+            </a:br>
+            <a:endParaRPr lang="en-US" sz="1800" dirty="0">
               <a:latin typeface="Yu Gothic" panose="020B0400000000000000" pitchFamily="34" charset="-128"/>
               <a:ea typeface="Yu Gothic" panose="020B0400000000000000" pitchFamily="34" charset="-128"/>
               <a:sym typeface="Wingdings" panose="05000000000000000000" pitchFamily="2" charset="2"/>
             </a:endParaRPr>
           </a:p>
+          <a:p>
+            <a:r>
+              <a:rPr lang="en-US" sz="1800" dirty="0">
+                <a:latin typeface="Yu Gothic" panose="020B0400000000000000" pitchFamily="34" charset="-128"/>
+                <a:ea typeface="Yu Gothic" panose="020B0400000000000000" pitchFamily="34" charset="-128"/>
+                <a:sym typeface="Wingdings" panose="05000000000000000000" pitchFamily="2" charset="2"/>
+              </a:rPr>
+              <a:t>Monday: NDSEG</a:t>
+            </a:r>
+          </a:p>
+          <a:p>
+            <a:r>
+              <a:rPr lang="en-US" sz="1800" dirty="0">
+                <a:latin typeface="Yu Gothic" panose="020B0400000000000000" pitchFamily="34" charset="-128"/>
+                <a:ea typeface="Yu Gothic" panose="020B0400000000000000" pitchFamily="34" charset="-128"/>
+                <a:sym typeface="Wingdings" panose="05000000000000000000" pitchFamily="2" charset="2"/>
+              </a:rPr>
+              <a:t>Tuesday: Use </a:t>
+            </a:r>
+            <a:r>
+              <a:rPr lang="en-US" sz="1800" dirty="0" err="1">
+                <a:latin typeface="Yu Gothic" panose="020B0400000000000000" pitchFamily="34" charset="-128"/>
+                <a:ea typeface="Yu Gothic" panose="020B0400000000000000" pitchFamily="34" charset="-128"/>
+                <a:sym typeface="Wingdings" panose="05000000000000000000" pitchFamily="2" charset="2"/>
+              </a:rPr>
+              <a:t>good_species</a:t>
+            </a:r>
+            <a:r>
+              <a:rPr lang="en-US" sz="1800" dirty="0">
+                <a:latin typeface="Yu Gothic" panose="020B0400000000000000" pitchFamily="34" charset="-128"/>
+                <a:ea typeface="Yu Gothic" panose="020B0400000000000000" pitchFamily="34" charset="-128"/>
+                <a:sym typeface="Wingdings" panose="05000000000000000000" pitchFamily="2" charset="2"/>
+              </a:rPr>
+              <a:t> command, determine sample size and which inferences fail</a:t>
+            </a:r>
+          </a:p>
+          <a:p>
+            <a:r>
+              <a:rPr lang="en-US" sz="1800" dirty="0">
+                <a:latin typeface="Yu Gothic" panose="020B0400000000000000" pitchFamily="34" charset="-128"/>
+                <a:ea typeface="Yu Gothic" panose="020B0400000000000000" pitchFamily="34" charset="-128"/>
+                <a:sym typeface="Wingdings" panose="05000000000000000000" pitchFamily="2" charset="2"/>
+              </a:rPr>
+              <a:t>Wednesday: Try inferring DFE (input the MLE demographic model)</a:t>
+            </a:r>
+          </a:p>
+          <a:p>
+            <a:pPr lvl="1"/>
+            <a:r>
+              <a:rPr lang="en-US" sz="1400" dirty="0">
+                <a:latin typeface="Yu Gothic" panose="020B0400000000000000" pitchFamily="34" charset="-128"/>
+                <a:ea typeface="Yu Gothic" panose="020B0400000000000000" pitchFamily="34" charset="-128"/>
+                <a:sym typeface="Wingdings" panose="05000000000000000000" pitchFamily="2" charset="2"/>
+              </a:rPr>
+              <a:t>Send update to Nandita</a:t>
+            </a:r>
+          </a:p>
+          <a:p>
+            <a:r>
+              <a:rPr lang="en-US" sz="1800" dirty="0">
+                <a:latin typeface="Yu Gothic" panose="020B0400000000000000" pitchFamily="34" charset="-128"/>
+                <a:ea typeface="Yu Gothic" panose="020B0400000000000000" pitchFamily="34" charset="-128"/>
+                <a:sym typeface="Wingdings" panose="05000000000000000000" pitchFamily="2" charset="2"/>
+              </a:rPr>
+              <a:t>Thursday: Meeting</a:t>
+            </a:r>
+          </a:p>
+          <a:p>
+            <a:endParaRPr lang="en-US" sz="1800" dirty="0">
+              <a:latin typeface="Yu Gothic" panose="020B0400000000000000" pitchFamily="34" charset="-128"/>
+              <a:ea typeface="Yu Gothic" panose="020B0400000000000000" pitchFamily="34" charset="-128"/>
+              <a:sym typeface="Wingdings" panose="05000000000000000000" pitchFamily="2" charset="2"/>
+            </a:endParaRPr>
+          </a:p>
+          <a:p>
+            <a:r>
+              <a:rPr lang="en-US" sz="1800" dirty="0">
+                <a:latin typeface="Yu Gothic" panose="020B0400000000000000" pitchFamily="34" charset="-128"/>
+                <a:ea typeface="Yu Gothic" panose="020B0400000000000000" pitchFamily="34" charset="-128"/>
+                <a:sym typeface="Wingdings" panose="05000000000000000000" pitchFamily="2" charset="2"/>
+              </a:rPr>
+              <a:t>Following Week: PI</a:t>
+            </a:r>
+          </a:p>
+          <a:p>
+            <a:endParaRPr lang="en-US" sz="1800" dirty="0">
+              <a:latin typeface="Yu Gothic" panose="020B0400000000000000" pitchFamily="34" charset="-128"/>
+              <a:ea typeface="Yu Gothic" panose="020B0400000000000000" pitchFamily="34" charset="-128"/>
+              <a:sym typeface="Wingdings" panose="05000000000000000000" pitchFamily="2" charset="2"/>
+            </a:endParaRPr>
+          </a:p>
+          <a:p>
+            <a:endParaRPr lang="en-US" sz="1800" dirty="0">
+              <a:latin typeface="Yu Gothic" panose="020B0400000000000000" pitchFamily="34" charset="-128"/>
+              <a:ea typeface="Yu Gothic" panose="020B0400000000000000" pitchFamily="34" charset="-128"/>
+              <a:sym typeface="Wingdings" panose="05000000000000000000" pitchFamily="2" charset="2"/>
+            </a:endParaRPr>
+          </a:p>
         </p:txBody>
       </p:sp>
     </p:spTree>
     <p:extLst>
       <p:ext uri="{BB962C8B-B14F-4D97-AF65-F5344CB8AC3E}">
-        <p14:creationId xmlns:p14="http://schemas.microsoft.com/office/powerpoint/2010/main" val="1230404432"/>
+        <p14:creationId xmlns:p14="http://schemas.microsoft.com/office/powerpoint/2010/main" val="1382947678"/>
       </p:ext>
     </p:extLst>
   </p:cSld>
